--- a/socket.pptx
+++ b/socket.pptx
@@ -10,8 +10,9 @@
     <p:sldId id="258" r:id="rId4"/>
     <p:sldId id="259" r:id="rId5"/>
     <p:sldId id="261" r:id="rId6"/>
-    <p:sldId id="262" r:id="rId7"/>
-    <p:sldId id="263" r:id="rId8"/>
+    <p:sldId id="264" r:id="rId7"/>
+    <p:sldId id="262" r:id="rId8"/>
+    <p:sldId id="263" r:id="rId9"/>
   </p:sldIdLst>
   <p:sldSz cx="9144000" cy="6858000" type="screen4x3"/>
   <p:notesSz cx="6858000" cy="9144000"/>
@@ -310,7 +311,7 @@
           <a:p>
             <a:fld id="{FFF3B57D-FF6C-47E3-9742-504E9A8D7A5D}" type="datetimeFigureOut">
               <a:rPr lang="ar-SY" smtClean="0"/>
-              <a:t>15/11/1443</a:t>
+              <a:t>16/11/1443</a:t>
             </a:fld>
             <a:endParaRPr lang="ar-SY"/>
           </a:p>
@@ -480,7 +481,7 @@
           <a:p>
             <a:fld id="{FFF3B57D-FF6C-47E3-9742-504E9A8D7A5D}" type="datetimeFigureOut">
               <a:rPr lang="ar-SY" smtClean="0"/>
-              <a:t>15/11/1443</a:t>
+              <a:t>16/11/1443</a:t>
             </a:fld>
             <a:endParaRPr lang="ar-SY"/>
           </a:p>
@@ -660,7 +661,7 @@
           <a:p>
             <a:fld id="{FFF3B57D-FF6C-47E3-9742-504E9A8D7A5D}" type="datetimeFigureOut">
               <a:rPr lang="ar-SY" smtClean="0"/>
-              <a:t>15/11/1443</a:t>
+              <a:t>16/11/1443</a:t>
             </a:fld>
             <a:endParaRPr lang="ar-SY"/>
           </a:p>
@@ -830,7 +831,7 @@
           <a:p>
             <a:fld id="{FFF3B57D-FF6C-47E3-9742-504E9A8D7A5D}" type="datetimeFigureOut">
               <a:rPr lang="ar-SY" smtClean="0"/>
-              <a:t>15/11/1443</a:t>
+              <a:t>16/11/1443</a:t>
             </a:fld>
             <a:endParaRPr lang="ar-SY"/>
           </a:p>
@@ -1076,7 +1077,7 @@
           <a:p>
             <a:fld id="{FFF3B57D-FF6C-47E3-9742-504E9A8D7A5D}" type="datetimeFigureOut">
               <a:rPr lang="ar-SY" smtClean="0"/>
-              <a:t>15/11/1443</a:t>
+              <a:t>16/11/1443</a:t>
             </a:fld>
             <a:endParaRPr lang="ar-SY"/>
           </a:p>
@@ -1364,7 +1365,7 @@
           <a:p>
             <a:fld id="{FFF3B57D-FF6C-47E3-9742-504E9A8D7A5D}" type="datetimeFigureOut">
               <a:rPr lang="ar-SY" smtClean="0"/>
-              <a:t>15/11/1443</a:t>
+              <a:t>16/11/1443</a:t>
             </a:fld>
             <a:endParaRPr lang="ar-SY"/>
           </a:p>
@@ -1786,7 +1787,7 @@
           <a:p>
             <a:fld id="{FFF3B57D-FF6C-47E3-9742-504E9A8D7A5D}" type="datetimeFigureOut">
               <a:rPr lang="ar-SY" smtClean="0"/>
-              <a:t>15/11/1443</a:t>
+              <a:t>16/11/1443</a:t>
             </a:fld>
             <a:endParaRPr lang="ar-SY"/>
           </a:p>
@@ -1904,7 +1905,7 @@
           <a:p>
             <a:fld id="{FFF3B57D-FF6C-47E3-9742-504E9A8D7A5D}" type="datetimeFigureOut">
               <a:rPr lang="ar-SY" smtClean="0"/>
-              <a:t>15/11/1443</a:t>
+              <a:t>16/11/1443</a:t>
             </a:fld>
             <a:endParaRPr lang="ar-SY"/>
           </a:p>
@@ -1999,7 +2000,7 @@
           <a:p>
             <a:fld id="{FFF3B57D-FF6C-47E3-9742-504E9A8D7A5D}" type="datetimeFigureOut">
               <a:rPr lang="ar-SY" smtClean="0"/>
-              <a:t>15/11/1443</a:t>
+              <a:t>16/11/1443</a:t>
             </a:fld>
             <a:endParaRPr lang="ar-SY"/>
           </a:p>
@@ -2276,7 +2277,7 @@
           <a:p>
             <a:fld id="{FFF3B57D-FF6C-47E3-9742-504E9A8D7A5D}" type="datetimeFigureOut">
               <a:rPr lang="ar-SY" smtClean="0"/>
-              <a:t>15/11/1443</a:t>
+              <a:t>16/11/1443</a:t>
             </a:fld>
             <a:endParaRPr lang="ar-SY"/>
           </a:p>
@@ -2529,7 +2530,7 @@
           <a:p>
             <a:fld id="{FFF3B57D-FF6C-47E3-9742-504E9A8D7A5D}" type="datetimeFigureOut">
               <a:rPr lang="ar-SY" smtClean="0"/>
-              <a:t>15/11/1443</a:t>
+              <a:t>16/11/1443</a:t>
             </a:fld>
             <a:endParaRPr lang="ar-SY"/>
           </a:p>
@@ -2742,7 +2743,7 @@
           <a:p>
             <a:fld id="{FFF3B57D-FF6C-47E3-9742-504E9A8D7A5D}" type="datetimeFigureOut">
               <a:rPr lang="ar-SY" smtClean="0"/>
-              <a:t>15/11/1443</a:t>
+              <a:t>16/11/1443</a:t>
             </a:fld>
             <a:endParaRPr lang="ar-SY"/>
           </a:p>
@@ -4153,6 +4154,239 @@
       </p:grpSpPr>
       <p:sp>
         <p:nvSpPr>
+          <p:cNvPr id="2" name="عنوان 1"/>
+          <p:cNvSpPr>
+            <a:spLocks noGrp="1"/>
+          </p:cNvSpPr>
+          <p:nvPr>
+            <p:ph type="title"/>
+          </p:nvPr>
+        </p:nvSpPr>
+        <p:spPr/>
+        <p:txBody>
+          <a:bodyPr/>
+          <a:lstStyle/>
+          <a:p>
+            <a:r>
+              <a:rPr lang="ar-SY" b="1" i="1" dirty="0" smtClean="0"/>
+              <a:t>مفردات خاصة بال </a:t>
+            </a:r>
+            <a:r>
+              <a:rPr lang="en-US" b="1" i="1" dirty="0" smtClean="0"/>
+              <a:t>Socket</a:t>
+            </a:r>
+            <a:endParaRPr lang="ar-SY" b="1" i="1" dirty="0"/>
+          </a:p>
+        </p:txBody>
+      </p:sp>
+      <p:sp>
+        <p:nvSpPr>
+          <p:cNvPr id="3" name="نجمة ذات 5 نقاط 2"/>
+          <p:cNvSpPr/>
+          <p:nvPr/>
+        </p:nvSpPr>
+        <p:spPr>
+          <a:xfrm>
+            <a:off x="7812360" y="476672"/>
+            <a:ext cx="648072" cy="576064"/>
+          </a:xfrm>
+          <a:prstGeom prst="star5">
+            <a:avLst/>
+          </a:prstGeom>
+        </p:spPr>
+        <p:style>
+          <a:lnRef idx="2">
+            <a:schemeClr val="accent2">
+              <a:shade val="50000"/>
+            </a:schemeClr>
+          </a:lnRef>
+          <a:fillRef idx="1">
+            <a:schemeClr val="accent2"/>
+          </a:fillRef>
+          <a:effectRef idx="0">
+            <a:schemeClr val="accent2"/>
+          </a:effectRef>
+          <a:fontRef idx="minor">
+            <a:schemeClr val="lt1"/>
+          </a:fontRef>
+        </p:style>
+        <p:txBody>
+          <a:bodyPr rtlCol="1" anchor="ctr"/>
+          <a:lstStyle/>
+          <a:p>
+            <a:pPr algn="ctr"/>
+            <a:endParaRPr lang="ar-SY"/>
+          </a:p>
+        </p:txBody>
+      </p:sp>
+      <p:sp>
+        <p:nvSpPr>
+          <p:cNvPr id="4" name="مستطيل 3"/>
+          <p:cNvSpPr/>
+          <p:nvPr/>
+        </p:nvSpPr>
+        <p:spPr>
+          <a:xfrm>
+            <a:off x="1691680" y="1772816"/>
+            <a:ext cx="6155907" cy="3970318"/>
+          </a:xfrm>
+          <a:prstGeom prst="rect">
+            <a:avLst/>
+          </a:prstGeom>
+        </p:spPr>
+        <p:txBody>
+          <a:bodyPr wrap="square">
+            <a:spAutoFit/>
+          </a:bodyPr>
+          <a:lstStyle/>
+          <a:p>
+            <a:r>
+              <a:rPr lang="en-US" sz="2800" dirty="0" smtClean="0"/>
+              <a:t>Domain_1 </a:t>
+            </a:r>
+            <a:r>
+              <a:rPr lang="ar-SY" sz="2800" dirty="0" smtClean="0"/>
+              <a:t>النطاق:</a:t>
+            </a:r>
+            <a:endParaRPr lang="ar-SY" sz="2800" dirty="0"/>
+          </a:p>
+          <a:p>
+            <a:r>
+              <a:rPr lang="ar-SY" sz="2800" dirty="0"/>
+              <a:t>مجموعة البروتوكولات المستخدمة كآلية </a:t>
+            </a:r>
+            <a:r>
+              <a:rPr lang="ar-SY" sz="2800" dirty="0" smtClean="0"/>
+              <a:t>النقل</a:t>
+            </a:r>
+          </a:p>
+          <a:p>
+            <a:r>
+              <a:rPr lang="en-US" sz="2800" dirty="0" smtClean="0"/>
+              <a:t>2</a:t>
+            </a:r>
+            <a:r>
+              <a:rPr lang="ar-SY" sz="2800" dirty="0" smtClean="0"/>
+              <a:t>_</a:t>
+            </a:r>
+            <a:r>
+              <a:rPr lang="en-US" sz="2800" dirty="0"/>
+              <a:t>type </a:t>
+            </a:r>
+            <a:r>
+              <a:rPr lang="ar-SY" sz="2800" dirty="0"/>
+              <a:t>النوع	</a:t>
+            </a:r>
+            <a:r>
+              <a:rPr lang="ar-SY" sz="2800" dirty="0" smtClean="0"/>
+              <a:t>:</a:t>
+            </a:r>
+            <a:endParaRPr lang="ar-SY" sz="2800" dirty="0"/>
+          </a:p>
+          <a:p>
+            <a:r>
+              <a:rPr lang="ar-SY" sz="2800" dirty="0"/>
+              <a:t>نوع الاتصالات بين نقطتي </a:t>
+            </a:r>
+            <a:r>
+              <a:rPr lang="ar-SY" sz="2800" dirty="0" smtClean="0"/>
+              <a:t>النهاية</a:t>
+            </a:r>
+          </a:p>
+          <a:p>
+            <a:r>
+              <a:rPr lang="en-US" sz="2800" dirty="0" smtClean="0"/>
+              <a:t>3</a:t>
+            </a:r>
+            <a:r>
+              <a:rPr lang="ar-SY" sz="2800" dirty="0" smtClean="0"/>
+              <a:t>_</a:t>
+            </a:r>
+            <a:r>
+              <a:rPr lang="en-US" sz="2800" dirty="0"/>
+              <a:t>protocol </a:t>
+            </a:r>
+            <a:r>
+              <a:rPr lang="ar-SY" sz="2800" dirty="0" smtClean="0"/>
+              <a:t>البرتوكول:</a:t>
+            </a:r>
+            <a:endParaRPr lang="ar-SY" sz="2800" dirty="0"/>
+          </a:p>
+          <a:p>
+            <a:r>
+              <a:rPr lang="ar-SY" sz="2800" dirty="0"/>
+              <a:t>عادةً ما تكون صفرية</a:t>
+            </a:r>
+          </a:p>
+          <a:p>
+            <a:r>
+              <a:rPr lang="en-US" sz="2800" dirty="0" smtClean="0"/>
+              <a:t>4</a:t>
+            </a:r>
+            <a:r>
+              <a:rPr lang="ar-SY" sz="2800" dirty="0" smtClean="0"/>
+              <a:t>_</a:t>
+            </a:r>
+            <a:r>
+              <a:rPr lang="en-US" sz="2800" dirty="0"/>
+              <a:t>hostname </a:t>
+            </a:r>
+            <a:r>
+              <a:rPr lang="ar-SY" sz="2800" dirty="0"/>
+              <a:t>اسم </a:t>
+            </a:r>
+            <a:r>
+              <a:rPr lang="ar-SY" sz="2800" dirty="0" smtClean="0"/>
+              <a:t>المضيف</a:t>
+            </a:r>
+          </a:p>
+          <a:p>
+            <a:r>
+              <a:rPr lang="en-US" sz="2800" dirty="0" smtClean="0"/>
+              <a:t>5</a:t>
+            </a:r>
+            <a:r>
+              <a:rPr lang="ar-SY" sz="2800" smtClean="0"/>
+              <a:t>_المنفذ</a:t>
+            </a:r>
+          </a:p>
+          <a:p>
+            <a:endParaRPr lang="ar-SY" sz="2800" dirty="0"/>
+          </a:p>
+        </p:txBody>
+      </p:sp>
+    </p:spTree>
+    <p:extLst>
+      <p:ext uri="{BB962C8B-B14F-4D97-AF65-F5344CB8AC3E}">
+        <p14:creationId xmlns:p14="http://schemas.microsoft.com/office/powerpoint/2010/main" val="2551948789"/>
+      </p:ext>
+    </p:extLst>
+  </p:cSld>
+  <p:clrMapOvr>
+    <a:masterClrMapping/>
+  </p:clrMapOvr>
+</p:sld>
+</file>
+
+<file path=ppt/slides/slide7.xml><?xml version="1.0" encoding="utf-8"?>
+<p:sld xmlns:a="http://schemas.openxmlformats.org/drawingml/2006/main" xmlns:r="http://schemas.openxmlformats.org/officeDocument/2006/relationships" xmlns:p="http://schemas.openxmlformats.org/presentationml/2006/main">
+  <p:cSld>
+    <p:spTree>
+      <p:nvGrpSpPr>
+        <p:cNvPr id="1" name=""/>
+        <p:cNvGrpSpPr/>
+        <p:nvPr/>
+      </p:nvGrpSpPr>
+      <p:grpSpPr>
+        <a:xfrm>
+          <a:off x="0" y="0"/>
+          <a:ext cx="0" cy="0"/>
+          <a:chOff x="0" y="0"/>
+          <a:chExt cx="0" cy="0"/>
+        </a:xfrm>
+      </p:grpSpPr>
+      <p:sp>
+        <p:nvSpPr>
           <p:cNvPr id="3" name="مستطيل 2"/>
           <p:cNvSpPr/>
           <p:nvPr/>
@@ -4173,11 +4407,11 @@
           <a:lstStyle/>
           <a:p>
             <a:r>
-              <a:rPr lang="en-US" dirty="0"/>
+              <a:rPr lang="en-US" b="1" dirty="0"/>
               <a:t>import </a:t>
             </a:r>
             <a:r>
-              <a:rPr lang="en-US" dirty="0" smtClean="0"/>
+              <a:rPr lang="en-US" b="1" dirty="0" smtClean="0"/>
               <a:t>socket</a:t>
             </a:r>
             <a:r>
@@ -4199,12 +4433,16 @@
               <a:t>= </a:t>
             </a:r>
             <a:r>
-              <a:rPr lang="en-US" dirty="0" err="1"/>
+              <a:rPr lang="en-US" i="1" dirty="0" err="1"/>
               <a:t>socket.socket</a:t>
             </a:r>
             <a:r>
+              <a:rPr lang="en-US" i="1" dirty="0"/>
+              <a:t>()</a:t>
+            </a:r>
+            <a:r>
               <a:rPr lang="en-US" dirty="0"/>
-              <a:t>()		     </a:t>
+              <a:t>		     </a:t>
             </a:r>
           </a:p>
           <a:p>
@@ -4213,12 +4451,16 @@
               <a:t>host = </a:t>
             </a:r>
             <a:r>
-              <a:rPr lang="en-US" dirty="0" err="1"/>
+              <a:rPr lang="en-US" i="1" dirty="0" err="1"/>
               <a:t>socket.gethostname</a:t>
             </a:r>
             <a:r>
+              <a:rPr lang="en-US" i="1" dirty="0"/>
+              <a:t>()</a:t>
+            </a:r>
+            <a:r>
               <a:rPr lang="en-US" dirty="0"/>
-              <a:t>()	      </a:t>
+              <a:t>	      </a:t>
             </a:r>
           </a:p>
           <a:p>
@@ -4485,7 +4727,7 @@
 </p:sld>
 </file>
 
-<file path=ppt/slides/slide7.xml><?xml version="1.0" encoding="utf-8"?>
+<file path=ppt/slides/slide8.xml><?xml version="1.0" encoding="utf-8"?>
 <p:sld xmlns:a="http://schemas.openxmlformats.org/drawingml/2006/main" xmlns:r="http://schemas.openxmlformats.org/officeDocument/2006/relationships" xmlns:p="http://schemas.openxmlformats.org/presentationml/2006/main">
   <p:cSld>
     <p:spTree>

--- a/socket.pptx
+++ b/socket.pptx
@@ -11,8 +11,9 @@
     <p:sldId id="259" r:id="rId5"/>
     <p:sldId id="261" r:id="rId6"/>
     <p:sldId id="264" r:id="rId7"/>
-    <p:sldId id="262" r:id="rId8"/>
-    <p:sldId id="263" r:id="rId9"/>
+    <p:sldId id="265" r:id="rId8"/>
+    <p:sldId id="267" r:id="rId9"/>
+    <p:sldId id="268" r:id="rId10"/>
   </p:sldIdLst>
   <p:sldSz cx="9144000" cy="6858000" type="screen4x3"/>
   <p:notesSz cx="6858000" cy="9144000"/>
@@ -3173,7 +3174,7 @@
         <p:spPr>
           <a:xfrm>
             <a:off x="827584" y="3068960"/>
-            <a:ext cx="7560840" cy="2677656"/>
+            <a:ext cx="7560840" cy="3108543"/>
           </a:xfrm>
           <a:prstGeom prst="rect">
             <a:avLst/>
@@ -3196,12 +3197,44 @@
           </a:p>
           <a:p>
             <a:r>
+              <a:rPr lang="en-US" sz="2800" b="1" i="1" dirty="0" smtClean="0">
+                <a:solidFill>
+                  <a:srgbClr val="C00000"/>
+                </a:solidFill>
+              </a:rPr>
+              <a:t>Multi Threading </a:t>
+            </a:r>
+            <a:r>
+              <a:rPr lang="en-US" sz="2800" b="1" i="1" dirty="0" smtClean="0">
+                <a:solidFill>
+                  <a:srgbClr val="C00000"/>
+                </a:solidFill>
+              </a:rPr>
+              <a:t>Client/Server </a:t>
+            </a:r>
+            <a:r>
               <a:rPr lang="en-US" sz="2800" b="1" i="1" dirty="0">
                 <a:solidFill>
                   <a:srgbClr val="C00000"/>
                 </a:solidFill>
               </a:rPr>
-              <a:t>Client/Server Socket - Concepts And Definitions</a:t>
+              <a:t>Socket </a:t>
+            </a:r>
+            <a:r>
+              <a:rPr lang="en-US" sz="2800" b="1" i="1" dirty="0" smtClean="0">
+                <a:solidFill>
+                  <a:srgbClr val="C00000"/>
+                </a:solidFill>
+              </a:rPr>
+              <a:t>- </a:t>
+            </a:r>
+            <a:r>
+              <a:rPr lang="en-US" sz="2800" b="1" i="1" dirty="0">
+                <a:solidFill>
+                  <a:srgbClr val="C00000"/>
+                </a:solidFill>
+              </a:rPr>
+              <a:t>Concepts And Definitions</a:t>
             </a:r>
           </a:p>
           <a:p>
@@ -3259,13 +3292,6 @@
   <p:clrMapOvr>
     <a:masterClrMapping/>
   </p:clrMapOvr>
-  <p:timing>
-    <p:tnLst>
-      <p:par>
-        <p:cTn id="1" dur="indefinite" restart="never" nodeType="tmRoot"/>
-      </p:par>
-    </p:tnLst>
-  </p:timing>
 </p:sld>
 </file>
 
@@ -3455,13 +3481,6 @@
   <p:clrMapOvr>
     <a:masterClrMapping/>
   </p:clrMapOvr>
-  <p:timing>
-    <p:tnLst>
-      <p:par>
-        <p:cTn id="1" dur="indefinite" restart="never" nodeType="tmRoot"/>
-      </p:par>
-    </p:tnLst>
-  </p:timing>
 </p:sld>
 </file>
 
@@ -3630,13 +3649,6 @@
   <p:clrMapOvr>
     <a:masterClrMapping/>
   </p:clrMapOvr>
-  <p:timing>
-    <p:tnLst>
-      <p:par>
-        <p:cTn id="1" dur="indefinite" restart="never" nodeType="tmRoot"/>
-      </p:par>
-    </p:tnLst>
-  </p:timing>
 </p:sld>
 </file>
 
@@ -3829,13 +3841,6 @@
   <p:clrMapOvr>
     <a:masterClrMapping/>
   </p:clrMapOvr>
-  <p:timing>
-    <p:tnLst>
-      <p:par>
-        <p:cTn id="1" dur="indefinite" restart="never" nodeType="tmRoot"/>
-      </p:par>
-    </p:tnLst>
-  </p:timing>
 </p:sld>
 </file>
 
@@ -3923,54 +3928,42 @@
           <a:lstStyle/>
           <a:p>
             <a:r>
-              <a:rPr lang="en-US" sz="2800" dirty="0" smtClean="0"/>
+              <a:rPr lang="en-US" sz="2800" dirty="0"/>
               <a:t>1</a:t>
             </a:r>
             <a:r>
-              <a:rPr lang="ar-SA" sz="2800" dirty="0" smtClean="0"/>
+              <a:rPr lang="ar-SA" sz="2800" dirty="0"/>
               <a:t>_s.re</a:t>
             </a:r>
             <a:r>
-              <a:rPr lang="en-US" sz="2800" dirty="0" smtClean="0"/>
+              <a:rPr lang="en-US" sz="2800" dirty="0"/>
               <a:t>cv()</a:t>
             </a:r>
             <a:r>
-              <a:rPr lang="ar-SA" sz="2800" dirty="0" smtClean="0"/>
-              <a:t>: </a:t>
-            </a:r>
-            <a:r>
               <a:rPr lang="ar-SA" sz="2800" dirty="0"/>
-              <a:t>تستقبل رسالة </a:t>
-            </a:r>
-            <a:r>
-              <a:rPr lang="ar-SA" sz="2800" dirty="0" smtClean="0"/>
-              <a:t>TCP</a:t>
-            </a:r>
-          </a:p>
-          <a:p>
-            <a:r>
-              <a:rPr lang="en-US" sz="2800" dirty="0" smtClean="0"/>
+              <a:t>: تستقبل رسالة TCP</a:t>
+            </a:r>
+          </a:p>
+          <a:p>
+            <a:r>
+              <a:rPr lang="en-US" sz="2800" dirty="0"/>
               <a:t>2</a:t>
             </a:r>
             <a:r>
-              <a:rPr lang="ar-SA" sz="2800" dirty="0" smtClean="0"/>
+              <a:rPr lang="ar-SA" sz="2800" dirty="0"/>
               <a:t>_</a:t>
             </a:r>
             <a:r>
-              <a:rPr lang="ar-SA" sz="2800" dirty="0" err="1" smtClean="0"/>
+              <a:rPr lang="ar-SA" sz="2800" dirty="0" err="1"/>
               <a:t>s.send</a:t>
             </a:r>
             <a:r>
-              <a:rPr lang="en-US" sz="2800" dirty="0" smtClean="0"/>
+              <a:rPr lang="en-US" sz="2800" dirty="0"/>
               <a:t>()</a:t>
             </a:r>
             <a:r>
-              <a:rPr lang="ar-SA" sz="2800" dirty="0" smtClean="0"/>
-              <a:t>: </a:t>
-            </a:r>
-            <a:r>
               <a:rPr lang="ar-SA" sz="2800" dirty="0"/>
-              <a:t>تنقل رسالة TCP</a:t>
+              <a:t>: تنقل رسالة TCP</a:t>
             </a:r>
           </a:p>
           <a:p>
@@ -3979,87 +3972,75 @@
               <a:t>3</a:t>
             </a:r>
             <a:r>
-              <a:rPr lang="ar-SA" sz="2800" dirty="0" smtClean="0"/>
+              <a:rPr lang="ar-SA" sz="2800" dirty="0"/>
               <a:t>_</a:t>
             </a:r>
             <a:r>
-              <a:rPr lang="ar-SA" sz="2800" dirty="0" err="1" smtClean="0"/>
+              <a:rPr lang="ar-SA" sz="2800" dirty="0" err="1"/>
               <a:t>s.recvfrom</a:t>
             </a:r>
             <a:r>
-              <a:rPr lang="en-US" sz="2800" dirty="0" smtClean="0"/>
+              <a:rPr lang="en-US" sz="2800" dirty="0"/>
               <a:t>()</a:t>
             </a:r>
             <a:r>
-              <a:rPr lang="ar-SA" sz="2800" dirty="0" smtClean="0"/>
-              <a:t>: </a:t>
-            </a:r>
-            <a:r>
               <a:rPr lang="ar-SA" sz="2800" dirty="0"/>
-              <a:t>تستقبل رسالة UDP</a:t>
-            </a:r>
-          </a:p>
-          <a:p>
-            <a:r>
-              <a:rPr lang="en-US" sz="2800" dirty="0" smtClean="0"/>
+              <a:t>: تستقبل رسالة UDP</a:t>
+            </a:r>
+          </a:p>
+          <a:p>
+            <a:r>
+              <a:rPr lang="en-US" sz="2800" dirty="0"/>
               <a:t>4</a:t>
             </a:r>
             <a:r>
-              <a:rPr lang="ar-SA" sz="2800" dirty="0" smtClean="0"/>
+              <a:rPr lang="ar-SA" sz="2800" dirty="0"/>
               <a:t>_</a:t>
             </a:r>
             <a:r>
-              <a:rPr lang="ar-SA" sz="2800" dirty="0" err="1" smtClean="0"/>
+              <a:rPr lang="ar-SA" sz="2800" dirty="0" err="1"/>
               <a:t>s.sendto</a:t>
             </a:r>
             <a:r>
-              <a:rPr lang="en-US" sz="2800" dirty="0" smtClean="0"/>
+              <a:rPr lang="en-US" sz="2800" dirty="0"/>
               <a:t>()</a:t>
             </a:r>
             <a:r>
-              <a:rPr lang="ar-SA" sz="2800" dirty="0" smtClean="0"/>
-              <a:t>: </a:t>
-            </a:r>
-            <a:r>
               <a:rPr lang="ar-SA" sz="2800" dirty="0"/>
-              <a:t>تنقل رسالة </a:t>
-            </a:r>
-            <a:r>
-              <a:rPr lang="ar-SA" sz="2800" dirty="0" smtClean="0"/>
-              <a:t>UDP</a:t>
-            </a:r>
-          </a:p>
-          <a:p>
-            <a:r>
-              <a:rPr lang="en-US" sz="2800" dirty="0" smtClean="0"/>
+              <a:t>: تنقل رسالة UDP</a:t>
+            </a:r>
+          </a:p>
+          <a:p>
+            <a:r>
+              <a:rPr lang="en-US" sz="2800" dirty="0"/>
               <a:t>5</a:t>
             </a:r>
             <a:r>
-              <a:rPr lang="ar-SY" sz="2800" dirty="0" smtClean="0"/>
+              <a:rPr lang="ar-SY" sz="2800" dirty="0"/>
               <a:t>_</a:t>
             </a:r>
             <a:r>
-              <a:rPr lang="en-US" sz="2800" dirty="0" err="1" smtClean="0"/>
+              <a:rPr lang="en-US" sz="2800" dirty="0" err="1"/>
               <a:t>s.close</a:t>
             </a:r>
             <a:r>
-              <a:rPr lang="en-US" sz="2800" dirty="0" smtClean="0"/>
+              <a:rPr lang="en-US" sz="2800" dirty="0"/>
               <a:t>()</a:t>
             </a:r>
             <a:r>
-              <a:rPr lang="ar-SY" sz="2800" dirty="0" smtClean="0"/>
+              <a:rPr lang="ar-SY" sz="2800" dirty="0"/>
               <a:t>:</a:t>
             </a:r>
             <a:r>
-              <a:rPr lang="en-US" sz="2800" dirty="0" smtClean="0"/>
+              <a:rPr lang="en-US" sz="2800" dirty="0"/>
               <a:t> </a:t>
             </a:r>
             <a:r>
-              <a:rPr lang="ar-SY" sz="2800" dirty="0" smtClean="0"/>
+              <a:rPr lang="ar-SY" sz="2800" dirty="0"/>
               <a:t> تغلق </a:t>
             </a:r>
             <a:r>
-              <a:rPr lang="ar-SY" sz="2800" dirty="0" err="1" smtClean="0"/>
+              <a:rPr lang="ar-SY" sz="2800" dirty="0" err="1"/>
               <a:t>السوكيت</a:t>
             </a:r>
             <a:endParaRPr lang="ar-SA" sz="2800" dirty="0"/>
@@ -4125,13 +4106,6 @@
   <p:clrMapOvr>
     <a:masterClrMapping/>
   </p:clrMapOvr>
-  <p:timing>
-    <p:tnLst>
-      <p:par>
-        <p:cTn id="1" dur="indefinite" restart="never" nodeType="tmRoot"/>
-      </p:par>
-    </p:tnLst>
-  </p:timing>
 </p:sld>
 </file>
 
@@ -4168,11 +4142,11 @@
           <a:lstStyle/>
           <a:p>
             <a:r>
-              <a:rPr lang="ar-SY" b="1" i="1" dirty="0" smtClean="0"/>
+              <a:rPr lang="ar-SY" b="1" i="1" dirty="0"/>
               <a:t>مفردات خاصة بال </a:t>
             </a:r>
             <a:r>
-              <a:rPr lang="en-US" b="1" i="1" dirty="0" smtClean="0"/>
+              <a:rPr lang="en-US" b="1" i="1" dirty="0"/>
               <a:t>Socket</a:t>
             </a:r>
             <a:endParaRPr lang="ar-SY" b="1" i="1" dirty="0"/>
@@ -4241,32 +4215,27 @@
           <a:lstStyle/>
           <a:p>
             <a:r>
-              <a:rPr lang="en-US" sz="2800" dirty="0" smtClean="0"/>
+              <a:rPr lang="en-US" sz="2800" dirty="0"/>
               <a:t>Domain_1 </a:t>
             </a:r>
             <a:r>
-              <a:rPr lang="ar-SY" sz="2800" dirty="0" smtClean="0"/>
+              <a:rPr lang="ar-SY" sz="2800" dirty="0"/>
               <a:t>النطاق:</a:t>
             </a:r>
-            <a:endParaRPr lang="ar-SY" sz="2800" dirty="0"/>
           </a:p>
           <a:p>
             <a:r>
               <a:rPr lang="ar-SY" sz="2800" dirty="0"/>
-              <a:t>مجموعة البروتوكولات المستخدمة كآلية </a:t>
-            </a:r>
-            <a:r>
-              <a:rPr lang="ar-SY" sz="2800" dirty="0" smtClean="0"/>
-              <a:t>النقل</a:t>
-            </a:r>
-          </a:p>
-          <a:p>
-            <a:r>
-              <a:rPr lang="en-US" sz="2800" dirty="0" smtClean="0"/>
+              <a:t>مجموعة البروتوكولات المستخدمة كآلية النقل</a:t>
+            </a:r>
+          </a:p>
+          <a:p>
+            <a:r>
+              <a:rPr lang="en-US" sz="2800" dirty="0"/>
               <a:t>2</a:t>
             </a:r>
             <a:r>
-              <a:rPr lang="ar-SY" sz="2800" dirty="0" smtClean="0"/>
+              <a:rPr lang="ar-SY" sz="2800" dirty="0"/>
               <a:t>_</a:t>
             </a:r>
             <a:r>
@@ -4275,31 +4244,22 @@
             </a:r>
             <a:r>
               <a:rPr lang="ar-SY" sz="2800" dirty="0"/>
-              <a:t>النوع	</a:t>
-            </a:r>
-            <a:r>
-              <a:rPr lang="ar-SY" sz="2800" dirty="0" smtClean="0"/>
-              <a:t>:</a:t>
-            </a:r>
-            <a:endParaRPr lang="ar-SY" sz="2800" dirty="0"/>
+              <a:t>النوع	:</a:t>
+            </a:r>
           </a:p>
           <a:p>
             <a:r>
               <a:rPr lang="ar-SY" sz="2800" dirty="0"/>
-              <a:t>نوع الاتصالات بين نقطتي </a:t>
-            </a:r>
-            <a:r>
-              <a:rPr lang="ar-SY" sz="2800" dirty="0" smtClean="0"/>
-              <a:t>النهاية</a:t>
-            </a:r>
-          </a:p>
-          <a:p>
-            <a:r>
-              <a:rPr lang="en-US" sz="2800" dirty="0" smtClean="0"/>
+              <a:t>نوع الاتصالات بين نقطتي النهاية</a:t>
+            </a:r>
+          </a:p>
+          <a:p>
+            <a:r>
+              <a:rPr lang="en-US" sz="2800" dirty="0"/>
               <a:t>3</a:t>
             </a:r>
             <a:r>
-              <a:rPr lang="ar-SY" sz="2800" dirty="0" smtClean="0"/>
+              <a:rPr lang="ar-SY" sz="2800" dirty="0"/>
               <a:t>_</a:t>
             </a:r>
             <a:r>
@@ -4307,10 +4267,9 @@
               <a:t>protocol </a:t>
             </a:r>
             <a:r>
-              <a:rPr lang="ar-SY" sz="2800" dirty="0" smtClean="0"/>
+              <a:rPr lang="ar-SY" sz="2800" dirty="0"/>
               <a:t>البرتوكول:</a:t>
             </a:r>
-            <a:endParaRPr lang="ar-SY" sz="2800" dirty="0"/>
           </a:p>
           <a:p>
             <a:r>
@@ -4320,11 +4279,11 @@
           </a:p>
           <a:p>
             <a:r>
-              <a:rPr lang="en-US" sz="2800" dirty="0" smtClean="0"/>
+              <a:rPr lang="en-US" sz="2800" dirty="0"/>
               <a:t>4</a:t>
             </a:r>
             <a:r>
-              <a:rPr lang="ar-SY" sz="2800" dirty="0" smtClean="0"/>
+              <a:rPr lang="ar-SY" sz="2800" dirty="0"/>
               <a:t>_</a:t>
             </a:r>
             <a:r>
@@ -4333,20 +4292,16 @@
             </a:r>
             <a:r>
               <a:rPr lang="ar-SY" sz="2800" dirty="0"/>
-              <a:t>اسم </a:t>
-            </a:r>
-            <a:r>
-              <a:rPr lang="ar-SY" sz="2800" dirty="0" smtClean="0"/>
-              <a:t>المضيف</a:t>
-            </a:r>
-          </a:p>
-          <a:p>
-            <a:r>
-              <a:rPr lang="en-US" sz="2800" dirty="0" smtClean="0"/>
+              <a:t>اسم المضيف</a:t>
+            </a:r>
+          </a:p>
+          <a:p>
+            <a:r>
+              <a:rPr lang="en-US" sz="2800" dirty="0"/>
               <a:t>5</a:t>
             </a:r>
             <a:r>
-              <a:rPr lang="ar-SY" sz="2800" smtClean="0"/>
+              <a:rPr lang="ar-SY" sz="2800"/>
               <a:t>_المنفذ</a:t>
             </a:r>
           </a:p>
@@ -4387,296 +4342,610 @@
       </p:grpSpPr>
       <p:sp>
         <p:nvSpPr>
-          <p:cNvPr id="3" name="مستطيل 2"/>
-          <p:cNvSpPr/>
-          <p:nvPr/>
+          <p:cNvPr id="2" name="Title 1">
+            <a:extLst>
+              <a:ext uri="{FF2B5EF4-FFF2-40B4-BE49-F238E27FC236}">
+                <a16:creationId xmlns:a16="http://schemas.microsoft.com/office/drawing/2014/main" xmlns="" id="{996ED387-6F76-0915-D519-9847220702E7}"/>
+              </a:ext>
+            </a:extLst>
+          </p:cNvPr>
+          <p:cNvSpPr>
+            <a:spLocks noGrp="1"/>
+          </p:cNvSpPr>
+          <p:nvPr>
+            <p:ph type="title"/>
+          </p:nvPr>
         </p:nvSpPr>
         <p:spPr>
           <a:xfrm>
-            <a:off x="2286000" y="1556792"/>
-            <a:ext cx="4572000" cy="4524315"/>
+            <a:off x="763080" y="274638"/>
+            <a:ext cx="8229600" cy="1143000"/>
+          </a:xfrm>
+        </p:spPr>
+        <p:txBody>
+          <a:bodyPr/>
+          <a:lstStyle/>
+          <a:p>
+            <a:r>
+              <a:rPr lang="en-US"/>
+              <a:t>Multithreading</a:t>
+            </a:r>
+          </a:p>
+        </p:txBody>
+      </p:sp>
+      <p:sp>
+        <p:nvSpPr>
+          <p:cNvPr id="4" name="TextBox 3">
+            <a:extLst>
+              <a:ext uri="{FF2B5EF4-FFF2-40B4-BE49-F238E27FC236}">
+                <a16:creationId xmlns:a16="http://schemas.microsoft.com/office/drawing/2014/main" xmlns="" id="{7DB50576-0346-6B79-F1E7-A06E740D8E8F}"/>
+              </a:ext>
+            </a:extLst>
+          </p:cNvPr>
+          <p:cNvSpPr txBox="1"/>
+          <p:nvPr/>
+        </p:nvSpPr>
+        <p:spPr>
+          <a:xfrm>
+            <a:off x="566777" y="1417638"/>
+            <a:ext cx="7637993" cy="1015663"/>
+          </a:xfrm>
+          <a:prstGeom prst="rect">
+            <a:avLst/>
+          </a:prstGeom>
+          <a:noFill/>
+        </p:spPr>
+        <p:txBody>
+          <a:bodyPr wrap="square">
+            <a:spAutoFit/>
+          </a:bodyPr>
+          <a:lstStyle/>
+          <a:p>
+            <a:r>
+              <a:rPr lang="ar-SY" sz="2000" dirty="0" smtClean="0"/>
+              <a:t>ت</a:t>
+            </a:r>
+            <a:r>
+              <a:rPr lang="en-US" sz="2000" dirty="0" err="1" smtClean="0"/>
+              <a:t>شير</a:t>
+            </a:r>
+            <a:r>
+              <a:rPr lang="en-US" sz="2000" dirty="0" smtClean="0"/>
+              <a:t> </a:t>
+            </a:r>
+            <a:r>
+              <a:rPr lang="ar-SA" sz="2000" dirty="0"/>
+              <a:t>إلى التنفيذ المتزامن لعدة مؤشرات ترابط عن طريق التبديل السريع للتحكم في وحدة المعالجة المركزية بين مؤشرات الترابط (يسمى تبديل السياق</a:t>
+            </a:r>
+            <a:r>
+              <a:rPr lang="ar-SA" sz="2000" dirty="0" smtClean="0"/>
+              <a:t>).</a:t>
+            </a:r>
+          </a:p>
+          <a:p>
+            <a:r>
+              <a:rPr lang="ar-SA" sz="2000" dirty="0" smtClean="0"/>
+              <a:t>حيث تسمح بتنفيذ عدة اتصالات في نفس الوقت.</a:t>
+            </a:r>
+            <a:endParaRPr lang="en-US" sz="2000" dirty="0"/>
+          </a:p>
+        </p:txBody>
+      </p:sp>
+      <p:pic>
+        <p:nvPicPr>
+          <p:cNvPr id="5" name="Picture 5">
+            <a:extLst>
+              <a:ext uri="{FF2B5EF4-FFF2-40B4-BE49-F238E27FC236}">
+                <a16:creationId xmlns:a16="http://schemas.microsoft.com/office/drawing/2014/main" xmlns="" id="{267EBAEC-7EF6-A1DA-A477-54DD0B6D938B}"/>
+              </a:ext>
+            </a:extLst>
+          </p:cNvPr>
+          <p:cNvPicPr>
+            <a:picLocks noChangeAspect="1"/>
+          </p:cNvPicPr>
+          <p:nvPr/>
+        </p:nvPicPr>
+        <p:blipFill>
+          <a:blip r:embed="rId2">
+            <a:extLst>
+              <a:ext uri="{28A0092B-C50C-407E-A947-70E740481C1C}">
+                <a14:useLocalDpi xmlns:a14="http://schemas.microsoft.com/office/drawing/2010/main" val="0"/>
+              </a:ext>
+            </a:extLst>
+          </a:blip>
+          <a:stretch>
+            <a:fillRect/>
+          </a:stretch>
+        </p:blipFill>
+        <p:spPr>
+          <a:xfrm>
+            <a:off x="1763688" y="2351100"/>
+            <a:ext cx="5904656" cy="4102236"/>
           </a:xfrm>
           <a:prstGeom prst="rect">
             <a:avLst/>
           </a:prstGeom>
         </p:spPr>
+      </p:pic>
+    </p:spTree>
+    <p:extLst>
+      <p:ext uri="{BB962C8B-B14F-4D97-AF65-F5344CB8AC3E}">
+        <p14:creationId xmlns:p14="http://schemas.microsoft.com/office/powerpoint/2010/main" val="169937229"/>
+      </p:ext>
+    </p:extLst>
+  </p:cSld>
+  <p:clrMapOvr>
+    <a:masterClrMapping/>
+  </p:clrMapOvr>
+</p:sld>
+</file>
+
+<file path=ppt/slides/slide8.xml><?xml version="1.0" encoding="utf-8"?>
+<p:sld xmlns:a="http://schemas.openxmlformats.org/drawingml/2006/main" xmlns:r="http://schemas.openxmlformats.org/officeDocument/2006/relationships" xmlns:p="http://schemas.openxmlformats.org/presentationml/2006/main">
+  <p:cSld>
+    <p:spTree>
+      <p:nvGrpSpPr>
+        <p:cNvPr id="1" name=""/>
+        <p:cNvGrpSpPr/>
+        <p:nvPr/>
+      </p:nvGrpSpPr>
+      <p:grpSpPr>
+        <a:xfrm>
+          <a:off x="0" y="0"/>
+          <a:ext cx="0" cy="0"/>
+          <a:chOff x="0" y="0"/>
+          <a:chExt cx="0" cy="0"/>
+        </a:xfrm>
+      </p:grpSpPr>
+      <p:sp>
+        <p:nvSpPr>
+          <p:cNvPr id="2" name="عنوان 1"/>
+          <p:cNvSpPr>
+            <a:spLocks noGrp="1"/>
+          </p:cNvSpPr>
+          <p:nvPr>
+            <p:ph type="title"/>
+          </p:nvPr>
+        </p:nvSpPr>
+        <p:spPr/>
         <p:txBody>
           <a:bodyPr>
-            <a:spAutoFit/>
+            <a:normAutofit/>
           </a:bodyPr>
           <a:lstStyle/>
           <a:p>
             <a:r>
-              <a:rPr lang="en-US" b="1" dirty="0"/>
-              <a:t>import </a:t>
-            </a:r>
-            <a:r>
-              <a:rPr lang="en-US" b="1" dirty="0" smtClean="0"/>
-              <a:t>socket</a:t>
-            </a:r>
-            <a:r>
-              <a:rPr lang="en-US" dirty="0"/>
-              <a:t>		     </a:t>
-            </a:r>
-          </a:p>
-          <a:p>
-            <a:r>
-              <a:rPr lang="en-US" dirty="0" err="1" smtClean="0"/>
-              <a:t>ser</a:t>
-            </a:r>
-            <a:r>
-              <a:rPr lang="en-US" dirty="0" smtClean="0"/>
+              <a:rPr lang="ar-SY" sz="4000" b="1" i="1" dirty="0" smtClean="0"/>
+              <a:t>العمل مع </a:t>
+            </a:r>
+            <a:r>
+              <a:rPr lang="en-US" sz="4000" b="1" i="1" dirty="0" smtClean="0"/>
+              <a:t>TCP Socket</a:t>
+            </a:r>
+            <a:endParaRPr lang="ar-SY" sz="4000" b="1" i="1" dirty="0"/>
+          </a:p>
+        </p:txBody>
+      </p:sp>
+      <p:sp>
+        <p:nvSpPr>
+          <p:cNvPr id="3" name="عنصر نائب للمحتوى 2"/>
+          <p:cNvSpPr>
+            <a:spLocks noGrp="1"/>
+          </p:cNvSpPr>
+          <p:nvPr>
+            <p:ph idx="1"/>
+          </p:nvPr>
+        </p:nvSpPr>
+        <p:spPr>
+          <a:xfrm>
+            <a:off x="457200" y="1600200"/>
+            <a:ext cx="8229600" cy="5257800"/>
+          </a:xfrm>
+        </p:spPr>
+        <p:txBody>
+          <a:bodyPr>
+            <a:normAutofit fontScale="25000" lnSpcReduction="20000"/>
+          </a:bodyPr>
+          <a:lstStyle/>
+          <a:p>
+            <a:r>
+              <a:rPr lang="ar-SY" sz="7400" b="1" i="1" dirty="0" smtClean="0"/>
+              <a:t>برنامج </a:t>
+            </a:r>
+            <a:r>
+              <a:rPr lang="en-US" sz="7400" b="1" i="1" dirty="0"/>
+              <a:t>Echo </a:t>
+            </a:r>
+            <a:r>
+              <a:rPr lang="en-US" sz="7400" b="1" i="1" dirty="0" smtClean="0"/>
+              <a:t>Server </a:t>
+            </a:r>
+            <a:endParaRPr lang="en-US" sz="7400" b="1" i="1" dirty="0"/>
+          </a:p>
+          <a:p>
+            <a:r>
+              <a:rPr lang="en-US" sz="5600" dirty="0" smtClean="0">
+                <a:solidFill>
+                  <a:schemeClr val="tx2"/>
+                </a:solidFill>
+              </a:rPr>
+              <a:t>import</a:t>
+            </a:r>
+            <a:r>
+              <a:rPr lang="en-US" sz="5600" dirty="0" smtClean="0"/>
               <a:t> </a:t>
             </a:r>
             <a:r>
-              <a:rPr lang="en-US" dirty="0"/>
-              <a:t>= </a:t>
-            </a:r>
-            <a:r>
-              <a:rPr lang="en-US" i="1" dirty="0" err="1"/>
+              <a:rPr lang="en-US" sz="5600" dirty="0" err="1" smtClean="0"/>
+              <a:t>socket,threading</a:t>
+            </a:r>
+            <a:endParaRPr lang="en-US" sz="5600" dirty="0" smtClean="0"/>
+          </a:p>
+          <a:p>
+            <a:r>
+              <a:rPr lang="en-US" sz="5600" dirty="0" err="1" smtClean="0"/>
+              <a:t>ss</a:t>
+            </a:r>
+            <a:r>
+              <a:rPr lang="en-US" sz="5600" dirty="0" smtClean="0"/>
+              <a:t>=</a:t>
+            </a:r>
+            <a:r>
+              <a:rPr lang="en-US" sz="5600" dirty="0" err="1" smtClean="0"/>
               <a:t>socket.socket</a:t>
             </a:r>
             <a:r>
-              <a:rPr lang="en-US" i="1" dirty="0"/>
+              <a:rPr lang="en-US" sz="5600" dirty="0" smtClean="0"/>
               <a:t>()</a:t>
             </a:r>
-            <a:r>
-              <a:rPr lang="en-US" dirty="0"/>
-              <a:t>		     </a:t>
-            </a:r>
-          </a:p>
-          <a:p>
-            <a:r>
-              <a:rPr lang="en-US" dirty="0"/>
-              <a:t>host = </a:t>
-            </a:r>
-            <a:r>
-              <a:rPr lang="en-US" i="1" dirty="0" err="1"/>
-              <a:t>socket.gethostname</a:t>
-            </a:r>
-            <a:r>
-              <a:rPr lang="en-US" i="1" dirty="0"/>
+          </a:p>
+          <a:p>
+            <a:r>
+              <a:rPr lang="en-US" sz="5600" dirty="0" err="1" smtClean="0"/>
+              <a:t>ss.setsockopt</a:t>
+            </a:r>
+            <a:r>
+              <a:rPr lang="en-US" sz="5600" dirty="0" smtClean="0"/>
+              <a:t>(socket.SOL_SOCKET,socket.SO_REUSEADDR,1)</a:t>
+            </a:r>
+          </a:p>
+          <a:p>
+            <a:r>
+              <a:rPr lang="en-US" sz="5600" dirty="0" err="1" smtClean="0"/>
+              <a:t>ss.bind</a:t>
+            </a:r>
+            <a:r>
+              <a:rPr lang="en-US" sz="5600" dirty="0" smtClean="0"/>
+              <a:t>(('0.0.0.0',4444))</a:t>
+            </a:r>
+          </a:p>
+          <a:p>
+            <a:r>
+              <a:rPr lang="en-US" sz="5600" dirty="0" err="1" smtClean="0"/>
+              <a:t>ss.listen</a:t>
+            </a:r>
+            <a:r>
+              <a:rPr lang="en-US" sz="5600" dirty="0" smtClean="0"/>
+              <a:t>(2)</a:t>
+            </a:r>
+          </a:p>
+          <a:p>
+            <a:r>
+              <a:rPr lang="en-US" sz="5600" dirty="0" err="1" smtClean="0">
+                <a:solidFill>
+                  <a:schemeClr val="tx2"/>
+                </a:solidFill>
+              </a:rPr>
+              <a:t>def</a:t>
+            </a:r>
+            <a:r>
+              <a:rPr lang="en-US" sz="5600" dirty="0" smtClean="0"/>
+              <a:t> </a:t>
+            </a:r>
+            <a:r>
+              <a:rPr lang="en-US" sz="5600" dirty="0" err="1" smtClean="0"/>
+              <a:t>handel_request</a:t>
+            </a:r>
+            <a:r>
+              <a:rPr lang="en-US" sz="5600" dirty="0" smtClean="0"/>
+              <a:t>(</a:t>
+            </a:r>
+            <a:r>
+              <a:rPr lang="en-US" sz="5600" dirty="0" err="1" smtClean="0"/>
+              <a:t>i,csocket,cadd</a:t>
+            </a:r>
+            <a:r>
+              <a:rPr lang="en-US" sz="5600" dirty="0" smtClean="0"/>
+              <a:t>):</a:t>
+            </a:r>
+          </a:p>
+          <a:p>
+            <a:r>
+              <a:rPr lang="en-US" sz="5600" dirty="0" smtClean="0"/>
+              <a:t> print(' Accepted new client: ',</a:t>
+            </a:r>
+            <a:r>
+              <a:rPr lang="en-US" sz="5600" dirty="0" err="1" smtClean="0"/>
+              <a:t>i</a:t>
+            </a:r>
+            <a:r>
+              <a:rPr lang="en-US" sz="5600" dirty="0" smtClean="0"/>
+              <a:t> ,</a:t>
+            </a:r>
+            <a:r>
+              <a:rPr lang="en-US" sz="5600" dirty="0" err="1" smtClean="0"/>
+              <a:t>cadd</a:t>
+            </a:r>
+            <a:r>
+              <a:rPr lang="en-US" sz="5600" dirty="0" smtClean="0"/>
+              <a:t>)</a:t>
+            </a:r>
+          </a:p>
+          <a:p>
+            <a:r>
+              <a:rPr lang="en-US" sz="5600" dirty="0" smtClean="0">
+                <a:solidFill>
+                  <a:schemeClr val="tx2"/>
+                </a:solidFill>
+              </a:rPr>
+              <a:t> while True:</a:t>
+            </a:r>
+          </a:p>
+          <a:p>
+            <a:r>
+              <a:rPr lang="en-US" sz="5600" dirty="0" smtClean="0"/>
+              <a:t> </a:t>
+            </a:r>
+            <a:r>
+              <a:rPr lang="en-US" sz="5600" dirty="0" err="1" smtClean="0"/>
+              <a:t>cmsg</a:t>
+            </a:r>
+            <a:r>
+              <a:rPr lang="en-US" sz="5600" dirty="0" smtClean="0"/>
+              <a:t> = </a:t>
+            </a:r>
+            <a:r>
+              <a:rPr lang="en-US" sz="5600" dirty="0" err="1" smtClean="0"/>
+              <a:t>csocket.recv</a:t>
+            </a:r>
+            <a:r>
+              <a:rPr lang="en-US" sz="5600" dirty="0" smtClean="0"/>
+              <a:t>(1024).decode()</a:t>
+            </a:r>
+          </a:p>
+          <a:p>
+            <a:r>
+              <a:rPr lang="en-US" sz="5600" dirty="0" smtClean="0"/>
+              <a:t> </a:t>
+            </a:r>
+            <a:r>
+              <a:rPr lang="en-US" sz="5600" dirty="0" smtClean="0">
+                <a:solidFill>
+                  <a:schemeClr val="tx2"/>
+                </a:solidFill>
+              </a:rPr>
+              <a:t>if</a:t>
+            </a:r>
+            <a:r>
+              <a:rPr lang="en-US" sz="5600" dirty="0" smtClean="0"/>
+              <a:t> </a:t>
+            </a:r>
+            <a:r>
+              <a:rPr lang="en-US" sz="5600" dirty="0" err="1" smtClean="0"/>
+              <a:t>cmsg</a:t>
+            </a:r>
+            <a:r>
+              <a:rPr lang="en-US" sz="5600" dirty="0" smtClean="0"/>
+              <a:t> == 'exit':</a:t>
+            </a:r>
+          </a:p>
+          <a:p>
+            <a:r>
+              <a:rPr lang="en-US" sz="5600" dirty="0" smtClean="0"/>
+              <a:t> </a:t>
+            </a:r>
+            <a:r>
+              <a:rPr lang="en-US" sz="5600" dirty="0" err="1" smtClean="0"/>
+              <a:t>csocket.close</a:t>
+            </a:r>
+            <a:r>
+              <a:rPr lang="en-US" sz="5600" dirty="0" smtClean="0"/>
               <a:t>()</a:t>
             </a:r>
-            <a:r>
-              <a:rPr lang="en-US" dirty="0"/>
-              <a:t>	      </a:t>
-            </a:r>
-          </a:p>
-          <a:p>
-            <a:r>
-              <a:rPr lang="en-US" dirty="0"/>
-              <a:t>port = </a:t>
-            </a:r>
-            <a:r>
-              <a:rPr lang="en-US" dirty="0" smtClean="0"/>
-              <a:t>6666</a:t>
-            </a:r>
-            <a:r>
-              <a:rPr lang="en-US" dirty="0"/>
-              <a:t>			            </a:t>
-            </a:r>
-          </a:p>
-          <a:p>
-            <a:r>
-              <a:rPr lang="en-US" dirty="0" err="1" smtClean="0"/>
-              <a:t>ser.bind</a:t>
-            </a:r>
-            <a:r>
-              <a:rPr lang="en-US" dirty="0"/>
-              <a:t>((</a:t>
-            </a:r>
-            <a:r>
-              <a:rPr lang="en-US" dirty="0" err="1"/>
-              <a:t>host,port</a:t>
-            </a:r>
-            <a:r>
-              <a:rPr lang="en-US" dirty="0"/>
-              <a:t>))		            </a:t>
-            </a:r>
-          </a:p>
-          <a:p>
-            <a:r>
-              <a:rPr lang="en-US" dirty="0"/>
-              <a:t>print("Waiting for </a:t>
-            </a:r>
-            <a:r>
-              <a:rPr lang="en-US" dirty="0" smtClean="0"/>
-              <a:t>new connection</a:t>
-            </a:r>
-            <a:r>
-              <a:rPr lang="en-US" dirty="0"/>
-              <a:t>...")</a:t>
-            </a:r>
-          </a:p>
-          <a:p>
-            <a:r>
-              <a:rPr lang="en-US" dirty="0" err="1" smtClean="0"/>
-              <a:t>ser.listen</a:t>
-            </a:r>
-            <a:r>
-              <a:rPr lang="en-US" dirty="0" smtClean="0"/>
-              <a:t>(6)</a:t>
-            </a:r>
-            <a:r>
-              <a:rPr lang="en-US" dirty="0"/>
-              <a:t>			            </a:t>
-            </a:r>
-          </a:p>
-          <a:p>
-            <a:endParaRPr lang="en-US" dirty="0"/>
-          </a:p>
-          <a:p>
-            <a:r>
-              <a:rPr lang="en-US" dirty="0"/>
+          </a:p>
+          <a:p>
+            <a:r>
+              <a:rPr lang="en-US" sz="5600" dirty="0" smtClean="0">
+                <a:solidFill>
+                  <a:schemeClr val="tx2"/>
+                </a:solidFill>
+              </a:rPr>
+              <a:t> break</a:t>
+            </a:r>
+          </a:p>
+          <a:p>
+            <a:r>
+              <a:rPr lang="en-US" sz="5600" dirty="0" smtClean="0"/>
+              <a:t> print(" [*]</a:t>
+            </a:r>
+            <a:r>
+              <a:rPr lang="en-US" sz="5600" dirty="0" err="1" smtClean="0"/>
+              <a:t>msg</a:t>
+            </a:r>
+            <a:r>
+              <a:rPr lang="en-US" sz="5600" dirty="0" smtClean="0"/>
+              <a:t> from client{}:{}".format(</a:t>
+            </a:r>
+            <a:r>
+              <a:rPr lang="en-US" sz="5600" dirty="0" err="1" smtClean="0"/>
+              <a:t>cadd</a:t>
+            </a:r>
+            <a:r>
+              <a:rPr lang="en-US" sz="5600" dirty="0" smtClean="0"/>
+              <a:t>, </a:t>
+            </a:r>
+            <a:r>
+              <a:rPr lang="en-US" sz="5600" dirty="0" err="1" smtClean="0"/>
+              <a:t>cmsg</a:t>
+            </a:r>
+            <a:r>
+              <a:rPr lang="en-US" sz="5600" dirty="0" smtClean="0"/>
+              <a:t>))</a:t>
+            </a:r>
+          </a:p>
+          <a:p>
+            <a:r>
+              <a:rPr lang="en-US" sz="5600" dirty="0" smtClean="0"/>
+              <a:t> </a:t>
+            </a:r>
+            <a:r>
+              <a:rPr lang="en-US" sz="5600" dirty="0" err="1" smtClean="0"/>
+              <a:t>csocket.send</a:t>
+            </a:r>
+            <a:r>
+              <a:rPr lang="en-US" sz="5600" dirty="0" smtClean="0"/>
+              <a:t>(</a:t>
+            </a:r>
+            <a:r>
+              <a:rPr lang="en-US" sz="5600" dirty="0" err="1" smtClean="0"/>
+              <a:t>cmsg.encode</a:t>
+            </a:r>
+            <a:r>
+              <a:rPr lang="en-US" sz="5600" dirty="0" smtClean="0"/>
+              <a:t>())</a:t>
+            </a:r>
+          </a:p>
+          <a:p>
+            <a:r>
+              <a:rPr lang="en-US" sz="5600" dirty="0" smtClean="0"/>
+              <a:t> print("Finished Serving Current Client")</a:t>
+            </a:r>
+          </a:p>
+          <a:p>
+            <a:r>
+              <a:rPr lang="en-US" sz="5600" dirty="0" err="1" smtClean="0"/>
+              <a:t>i</a:t>
+            </a:r>
+            <a:r>
+              <a:rPr lang="en-US" sz="5600" dirty="0" smtClean="0"/>
+              <a:t>=1</a:t>
+            </a:r>
+          </a:p>
+          <a:p>
+            <a:r>
+              <a:rPr lang="en-US" sz="5600" dirty="0" smtClean="0">
+                <a:solidFill>
+                  <a:schemeClr val="tx2"/>
+                </a:solidFill>
+              </a:rPr>
               <a:t>while True:</a:t>
             </a:r>
           </a:p>
           <a:p>
             <a:r>
-              <a:rPr lang="en-US" dirty="0"/>
-              <a:t>	</a:t>
-            </a:r>
-            <a:r>
-              <a:rPr lang="en-US" dirty="0" err="1"/>
-              <a:t>conn,addr</a:t>
-            </a:r>
-            <a:r>
-              <a:rPr lang="en-US" dirty="0"/>
-              <a:t> = </a:t>
-            </a:r>
-            <a:r>
-              <a:rPr lang="en-US" dirty="0" err="1" smtClean="0"/>
-              <a:t>ser.accept</a:t>
-            </a:r>
-            <a:r>
-              <a:rPr lang="en-US" dirty="0"/>
-              <a:t>()	    </a:t>
-            </a:r>
-          </a:p>
-          <a:p>
-            <a:r>
-              <a:rPr lang="en-US" dirty="0"/>
-              <a:t>	print('Got Connection from', </a:t>
-            </a:r>
-            <a:r>
-              <a:rPr lang="en-US" dirty="0" err="1"/>
-              <a:t>addr</a:t>
-            </a:r>
-            <a:r>
-              <a:rPr lang="en-US" dirty="0"/>
-              <a:t>)</a:t>
-            </a:r>
-          </a:p>
-          <a:p>
-            <a:r>
-              <a:rPr lang="en-US" dirty="0"/>
-              <a:t>	</a:t>
-            </a:r>
-            <a:r>
-              <a:rPr lang="en-US" dirty="0" smtClean="0"/>
-              <a:t>message=</a:t>
-            </a:r>
-            <a:r>
-              <a:rPr lang="en-US" dirty="0" err="1" smtClean="0"/>
-              <a:t>conn.recv</a:t>
-            </a:r>
-            <a:r>
-              <a:rPr lang="en-US" dirty="0" smtClean="0"/>
-              <a:t>(1024</a:t>
-            </a:r>
-            <a:r>
-              <a:rPr lang="en-US" dirty="0"/>
-              <a:t>).decode()</a:t>
-            </a:r>
-          </a:p>
-          <a:p>
-            <a:r>
-              <a:rPr lang="en-US" dirty="0"/>
-              <a:t>	</a:t>
-            </a:r>
-            <a:r>
-              <a:rPr lang="en-US" dirty="0" smtClean="0"/>
-              <a:t>print(message)</a:t>
-            </a:r>
-            <a:endParaRPr lang="en-US" dirty="0"/>
-          </a:p>
-          <a:p>
-            <a:r>
-              <a:rPr lang="en-US" dirty="0"/>
-              <a:t>	</a:t>
-            </a:r>
-            <a:r>
-              <a:rPr lang="en-US" dirty="0" err="1"/>
-              <a:t>conn.send</a:t>
-            </a:r>
-            <a:r>
-              <a:rPr lang="en-US" dirty="0"/>
-              <a:t>('Server Saying </a:t>
-            </a:r>
-            <a:r>
-              <a:rPr lang="en-US" dirty="0" err="1"/>
-              <a:t>Hi'.encode</a:t>
-            </a:r>
-            <a:r>
-              <a:rPr lang="en-US" dirty="0"/>
-              <a:t>())</a:t>
-            </a:r>
-          </a:p>
-          <a:p>
-            <a:r>
-              <a:rPr lang="en-US" dirty="0"/>
-              <a:t>	</a:t>
-            </a:r>
-            <a:r>
-              <a:rPr lang="en-US" dirty="0" err="1" smtClean="0"/>
-              <a:t>conn.close</a:t>
-            </a:r>
-            <a:r>
-              <a:rPr lang="en-US" dirty="0"/>
+              <a:rPr lang="en-US" sz="5600" dirty="0" smtClean="0"/>
+              <a:t> print('[+] TCP server is waiting for new clients...')</a:t>
+            </a:r>
+          </a:p>
+          <a:p>
+            <a:r>
+              <a:rPr lang="en-US" sz="5600" dirty="0" smtClean="0"/>
+              <a:t> </a:t>
+            </a:r>
+            <a:r>
+              <a:rPr lang="en-US" sz="5600" dirty="0" err="1" smtClean="0"/>
+              <a:t>csocket,cadd</a:t>
+            </a:r>
+            <a:r>
+              <a:rPr lang="en-US" sz="5600" dirty="0" smtClean="0"/>
+              <a:t>=</a:t>
+            </a:r>
+            <a:r>
+              <a:rPr lang="en-US" sz="5600" dirty="0" err="1" smtClean="0"/>
+              <a:t>ss.accept</a:t>
+            </a:r>
+            <a:r>
+              <a:rPr lang="en-US" sz="5600" dirty="0" smtClean="0"/>
               <a:t>()</a:t>
             </a:r>
-            <a:endParaRPr lang="ar-SY" dirty="0"/>
-          </a:p>
-        </p:txBody>
-      </p:sp>
-      <p:sp>
-        <p:nvSpPr>
-          <p:cNvPr id="4" name="عنوان 3"/>
-          <p:cNvSpPr>
-            <a:spLocks noGrp="1"/>
-          </p:cNvSpPr>
-          <p:nvPr>
-            <p:ph type="title"/>
-          </p:nvPr>
-        </p:nvSpPr>
-        <p:spPr/>
-        <p:txBody>
-          <a:bodyPr/>
-          <a:lstStyle/>
-          <a:p>
-            <a:r>
-              <a:rPr lang="en-US" b="1" i="1" dirty="0" smtClean="0"/>
-              <a:t>Simple server </a:t>
-            </a:r>
-            <a:r>
-              <a:rPr lang="en-US" b="1" i="1" dirty="0" err="1" smtClean="0"/>
-              <a:t>programme</a:t>
-            </a:r>
-            <a:endParaRPr lang="ar-SY" b="1" i="1" dirty="0"/>
-          </a:p>
-        </p:txBody>
-      </p:sp>
-      <p:sp>
-        <p:nvSpPr>
-          <p:cNvPr id="5" name="نجمة ذات 5 نقاط 4"/>
+          </a:p>
+          <a:p>
+            <a:r>
+              <a:rPr lang="en-US" sz="5600" dirty="0" smtClean="0"/>
+              <a:t> </a:t>
+            </a:r>
+          </a:p>
+          <a:p>
+            <a:r>
+              <a:rPr lang="en-US" sz="5600" dirty="0" smtClean="0"/>
+              <a:t>client=</a:t>
+            </a:r>
+            <a:r>
+              <a:rPr lang="en-US" sz="5600" dirty="0" err="1" smtClean="0"/>
+              <a:t>threading.Thread</a:t>
+            </a:r>
+            <a:r>
+              <a:rPr lang="en-US" sz="5600" dirty="0" smtClean="0"/>
+              <a:t>(target=</a:t>
+            </a:r>
+            <a:r>
+              <a:rPr lang="en-US" sz="5600" dirty="0" err="1" smtClean="0"/>
+              <a:t>handel_request,args</a:t>
+            </a:r>
+            <a:r>
+              <a:rPr lang="en-US" sz="5600" dirty="0" smtClean="0"/>
+              <a:t>=(</a:t>
+            </a:r>
+            <a:r>
+              <a:rPr lang="en-US" sz="5600" dirty="0" err="1" smtClean="0"/>
+              <a:t>i,csocket,cadd</a:t>
+            </a:r>
+            <a:r>
+              <a:rPr lang="en-US" sz="5600" dirty="0" smtClean="0"/>
+              <a:t>))</a:t>
+            </a:r>
+          </a:p>
+          <a:p>
+            <a:r>
+              <a:rPr lang="en-US" sz="5600" dirty="0" smtClean="0"/>
+              <a:t> </a:t>
+            </a:r>
+            <a:r>
+              <a:rPr lang="en-US" sz="5600" dirty="0" err="1" smtClean="0"/>
+              <a:t>client.start</a:t>
+            </a:r>
+            <a:r>
+              <a:rPr lang="en-US" sz="5600" dirty="0" smtClean="0"/>
+              <a:t>()</a:t>
+            </a:r>
+          </a:p>
+          <a:p>
+            <a:r>
+              <a:rPr lang="en-US" sz="5600" dirty="0" smtClean="0"/>
+              <a:t> </a:t>
+            </a:r>
+            <a:r>
+              <a:rPr lang="en-US" sz="5600" dirty="0" err="1" smtClean="0"/>
+              <a:t>i</a:t>
+            </a:r>
+            <a:r>
+              <a:rPr lang="en-US" sz="5600" dirty="0" smtClean="0"/>
+              <a:t>+=1</a:t>
+            </a:r>
+            <a:endParaRPr lang="ar-SY" sz="5600" dirty="0"/>
+          </a:p>
+        </p:txBody>
+      </p:sp>
+      <p:sp>
+        <p:nvSpPr>
+          <p:cNvPr id="4" name="نجمة ذات 5 نقاط 3"/>
           <p:cNvSpPr/>
           <p:nvPr/>
         </p:nvSpPr>
         <p:spPr>
           <a:xfrm>
-            <a:off x="457200" y="548680"/>
-            <a:ext cx="730424" cy="576064"/>
+            <a:off x="7380312" y="548680"/>
+            <a:ext cx="648072" cy="504056"/>
           </a:xfrm>
           <a:prstGeom prst="star5">
             <a:avLst/>
@@ -4710,24 +4979,17 @@
     </p:spTree>
     <p:extLst>
       <p:ext uri="{BB962C8B-B14F-4D97-AF65-F5344CB8AC3E}">
-        <p14:creationId xmlns:p14="http://schemas.microsoft.com/office/powerpoint/2010/main" val="1816325478"/>
+        <p14:creationId xmlns:p14="http://schemas.microsoft.com/office/powerpoint/2010/main" val="1413083060"/>
       </p:ext>
     </p:extLst>
   </p:cSld>
   <p:clrMapOvr>
     <a:masterClrMapping/>
   </p:clrMapOvr>
-  <p:timing>
-    <p:tnLst>
-      <p:par>
-        <p:cTn id="1" dur="indefinite" restart="never" nodeType="tmRoot"/>
-      </p:par>
-    </p:tnLst>
-  </p:timing>
 </p:sld>
 </file>
 
-<file path=ppt/slides/slide8.xml><?xml version="1.0" encoding="utf-8"?>
+<file path=ppt/slides/slide9.xml><?xml version="1.0" encoding="utf-8"?>
 <p:sld xmlns:a="http://schemas.openxmlformats.org/drawingml/2006/main" xmlns:r="http://schemas.openxmlformats.org/officeDocument/2006/relationships" xmlns:p="http://schemas.openxmlformats.org/presentationml/2006/main">
   <p:cSld>
     <p:spTree>
@@ -4746,41 +5008,323 @@
       </p:grpSpPr>
       <p:sp>
         <p:nvSpPr>
-          <p:cNvPr id="2" name="عنوان 1"/>
-          <p:cNvSpPr>
-            <a:spLocks noGrp="1"/>
-          </p:cNvSpPr>
-          <p:nvPr>
-            <p:ph type="title"/>
-          </p:nvPr>
-        </p:nvSpPr>
-        <p:spPr/>
-        <p:txBody>
-          <a:bodyPr/>
-          <a:lstStyle/>
-          <a:p>
-            <a:r>
-              <a:rPr lang="en-US" b="1" i="1" dirty="0" smtClean="0"/>
-              <a:t>Simple client </a:t>
-            </a:r>
-            <a:r>
-              <a:rPr lang="en-US" b="1" i="1" dirty="0" err="1" smtClean="0"/>
-              <a:t>programme</a:t>
-            </a:r>
-            <a:endParaRPr lang="ar-SY" b="1" i="1" dirty="0"/>
-          </a:p>
-        </p:txBody>
-      </p:sp>
-      <p:sp>
-        <p:nvSpPr>
-          <p:cNvPr id="3" name="نجمة ذات 5 نقاط 2"/>
+          <p:cNvPr id="3" name="عنصر نائب للمحتوى 2"/>
+          <p:cNvSpPr>
+            <a:spLocks noGrp="1"/>
+          </p:cNvSpPr>
+          <p:nvPr>
+            <p:ph idx="1"/>
+          </p:nvPr>
+        </p:nvSpPr>
+        <p:spPr>
+          <a:xfrm>
+            <a:off x="457200" y="476672"/>
+            <a:ext cx="8229600" cy="5649491"/>
+          </a:xfrm>
+        </p:spPr>
+        <p:txBody>
+          <a:bodyPr>
+            <a:normAutofit lnSpcReduction="10000"/>
+          </a:bodyPr>
+          <a:lstStyle/>
+          <a:p>
+            <a:r>
+              <a:rPr lang="ar-SA" b="1" i="1" dirty="0" smtClean="0"/>
+              <a:t>برنامج العميل :</a:t>
+            </a:r>
+          </a:p>
+          <a:p>
+            <a:r>
+              <a:rPr lang="en-US" sz="1600" dirty="0">
+                <a:solidFill>
+                  <a:schemeClr val="tx2"/>
+                </a:solidFill>
+              </a:rPr>
+              <a:t>import </a:t>
+            </a:r>
+            <a:r>
+              <a:rPr lang="en-US" sz="1600" dirty="0" err="1"/>
+              <a:t>socket,sys</a:t>
+            </a:r>
+            <a:endParaRPr lang="en-US" sz="1600" dirty="0"/>
+          </a:p>
+          <a:p>
+            <a:r>
+              <a:rPr lang="en-US" sz="1600" dirty="0" err="1"/>
+              <a:t>cs</a:t>
+            </a:r>
+            <a:r>
+              <a:rPr lang="en-US" sz="1600" dirty="0"/>
+              <a:t>=</a:t>
+            </a:r>
+            <a:r>
+              <a:rPr lang="en-US" sz="1600" dirty="0" err="1"/>
+              <a:t>socket.socket</a:t>
+            </a:r>
+            <a:r>
+              <a:rPr lang="en-US" sz="1600" dirty="0"/>
+              <a:t>()</a:t>
+            </a:r>
+          </a:p>
+          <a:p>
+            <a:r>
+              <a:rPr lang="en-US" sz="1600" dirty="0" err="1"/>
+              <a:t>cs.settimeout</a:t>
+            </a:r>
+            <a:r>
+              <a:rPr lang="en-US" sz="1600" dirty="0"/>
+              <a:t>(20)</a:t>
+            </a:r>
+          </a:p>
+          <a:p>
+            <a:r>
+              <a:rPr lang="en-US" sz="1600" dirty="0">
+                <a:solidFill>
+                  <a:schemeClr val="tx2"/>
+                </a:solidFill>
+              </a:rPr>
+              <a:t>try:</a:t>
+            </a:r>
+          </a:p>
+          <a:p>
+            <a:r>
+              <a:rPr lang="en-US" sz="1600" dirty="0"/>
+              <a:t> </a:t>
+            </a:r>
+            <a:r>
+              <a:rPr lang="en-US" sz="1600" dirty="0" err="1"/>
+              <a:t>cs.connect</a:t>
+            </a:r>
+            <a:r>
+              <a:rPr lang="en-US" sz="1600" dirty="0"/>
+              <a:t>(("127.0.0.1",4444))</a:t>
+            </a:r>
+          </a:p>
+          <a:p>
+            <a:r>
+              <a:rPr lang="en-US" sz="1600" dirty="0">
+                <a:solidFill>
+                  <a:schemeClr val="tx2"/>
+                </a:solidFill>
+              </a:rPr>
+              <a:t>except</a:t>
+            </a:r>
+            <a:r>
+              <a:rPr lang="en-US" sz="1600" dirty="0"/>
+              <a:t> </a:t>
+            </a:r>
+            <a:r>
+              <a:rPr lang="en-US" sz="1600" dirty="0" err="1"/>
+              <a:t>socket.error</a:t>
+            </a:r>
+            <a:r>
+              <a:rPr lang="en-US" sz="1600" dirty="0"/>
+              <a:t> as e:</a:t>
+            </a:r>
+          </a:p>
+          <a:p>
+            <a:r>
+              <a:rPr lang="en-US" sz="1600" dirty="0"/>
+              <a:t> print(e)</a:t>
+            </a:r>
+          </a:p>
+          <a:p>
+            <a:r>
+              <a:rPr lang="en-US" sz="1600" dirty="0"/>
+              <a:t> </a:t>
+            </a:r>
+            <a:r>
+              <a:rPr lang="en-US" sz="1600" dirty="0" err="1"/>
+              <a:t>sys.exit</a:t>
+            </a:r>
+            <a:r>
+              <a:rPr lang="en-US" sz="1600" dirty="0"/>
+              <a:t>(1)</a:t>
+            </a:r>
+          </a:p>
+          <a:p>
+            <a:r>
+              <a:rPr lang="en-US" sz="1600" dirty="0">
+                <a:solidFill>
+                  <a:schemeClr val="tx2"/>
+                </a:solidFill>
+              </a:rPr>
+              <a:t>while True:</a:t>
+            </a:r>
+          </a:p>
+          <a:p>
+            <a:r>
+              <a:rPr lang="en-US" sz="1600" dirty="0"/>
+              <a:t> </a:t>
+            </a:r>
+            <a:r>
+              <a:rPr lang="en-US" sz="1600" dirty="0" err="1"/>
+              <a:t>req</a:t>
+            </a:r>
+            <a:r>
+              <a:rPr lang="en-US" sz="1600" dirty="0"/>
+              <a:t>=input("enter </a:t>
+            </a:r>
+            <a:r>
+              <a:rPr lang="en-US" sz="1600" dirty="0" err="1"/>
+              <a:t>msg</a:t>
+            </a:r>
+            <a:r>
+              <a:rPr lang="en-US" sz="1600" dirty="0"/>
+              <a:t> to send to echo server: ")</a:t>
+            </a:r>
+          </a:p>
+          <a:p>
+            <a:r>
+              <a:rPr lang="en-US" sz="1600" dirty="0">
+                <a:solidFill>
+                  <a:schemeClr val="tx2"/>
+                </a:solidFill>
+              </a:rPr>
+              <a:t> try:</a:t>
+            </a:r>
+          </a:p>
+          <a:p>
+            <a:r>
+              <a:rPr lang="en-US" sz="1600" dirty="0"/>
+              <a:t> </a:t>
+            </a:r>
+            <a:r>
+              <a:rPr lang="en-US" sz="1600" dirty="0" err="1"/>
+              <a:t>cs.send</a:t>
+            </a:r>
+            <a:r>
+              <a:rPr lang="en-US" sz="1600" dirty="0"/>
+              <a:t>(</a:t>
+            </a:r>
+            <a:r>
+              <a:rPr lang="en-US" sz="1600" dirty="0" err="1"/>
+              <a:t>req.encode</a:t>
+            </a:r>
+            <a:r>
+              <a:rPr lang="en-US" sz="1600" dirty="0"/>
+              <a:t>())</a:t>
+            </a:r>
+          </a:p>
+          <a:p>
+            <a:r>
+              <a:rPr lang="en-US" sz="1600" dirty="0">
+                <a:solidFill>
+                  <a:schemeClr val="tx2"/>
+                </a:solidFill>
+              </a:rPr>
+              <a:t> if </a:t>
+            </a:r>
+            <a:r>
+              <a:rPr lang="en-US" sz="1600" dirty="0" err="1"/>
+              <a:t>req</a:t>
+            </a:r>
+            <a:r>
+              <a:rPr lang="en-US" sz="1600" dirty="0"/>
+              <a:t> == "exit":</a:t>
+            </a:r>
+          </a:p>
+          <a:p>
+            <a:r>
+              <a:rPr lang="en-US" sz="1600" dirty="0"/>
+              <a:t> </a:t>
+            </a:r>
+            <a:r>
+              <a:rPr lang="en-US" sz="1600" dirty="0">
+                <a:solidFill>
+                  <a:schemeClr val="tx2"/>
+                </a:solidFill>
+              </a:rPr>
+              <a:t>break</a:t>
+            </a:r>
+          </a:p>
+          <a:p>
+            <a:r>
+              <a:rPr lang="en-US" sz="1600" dirty="0"/>
+              <a:t> data=</a:t>
+            </a:r>
+            <a:r>
+              <a:rPr lang="en-US" sz="1600" dirty="0" err="1"/>
+              <a:t>cs.recv</a:t>
+            </a:r>
+            <a:r>
+              <a:rPr lang="en-US" sz="1600" dirty="0"/>
+              <a:t>(1024).decode()</a:t>
+            </a:r>
+          </a:p>
+          <a:p>
+            <a:r>
+              <a:rPr lang="en-US" sz="1600" dirty="0"/>
+              <a:t> print("</a:t>
+            </a:r>
+            <a:r>
+              <a:rPr lang="en-US" sz="1600" dirty="0" err="1"/>
+              <a:t>msg</a:t>
+            </a:r>
+            <a:r>
+              <a:rPr lang="en-US" sz="1600" dirty="0"/>
+              <a:t> from </a:t>
+            </a:r>
+            <a:r>
+              <a:rPr lang="en-US" sz="1600" dirty="0" err="1"/>
+              <a:t>server",data</a:t>
+            </a:r>
+            <a:r>
+              <a:rPr lang="en-US" sz="1600" dirty="0"/>
+              <a:t>)</a:t>
+            </a:r>
+          </a:p>
+          <a:p>
+            <a:r>
+              <a:rPr lang="en-US" sz="1600" dirty="0">
+                <a:solidFill>
+                  <a:schemeClr val="tx2"/>
+                </a:solidFill>
+              </a:rPr>
+              <a:t> except </a:t>
+            </a:r>
+            <a:r>
+              <a:rPr lang="en-US" sz="1600" dirty="0" err="1"/>
+              <a:t>socket.error</a:t>
+            </a:r>
+            <a:r>
+              <a:rPr lang="en-US" sz="1600" dirty="0"/>
+              <a:t> </a:t>
+            </a:r>
+            <a:r>
+              <a:rPr lang="en-US" sz="1600" dirty="0">
+                <a:solidFill>
+                  <a:schemeClr val="tx2"/>
+                </a:solidFill>
+              </a:rPr>
+              <a:t>as</a:t>
+            </a:r>
+            <a:r>
+              <a:rPr lang="en-US" sz="1600" dirty="0"/>
+              <a:t> e:</a:t>
+            </a:r>
+          </a:p>
+          <a:p>
+            <a:r>
+              <a:rPr lang="en-US" sz="1600" dirty="0"/>
+              <a:t> print(e)</a:t>
+            </a:r>
+          </a:p>
+          <a:p>
+            <a:endParaRPr lang="ar-SY" sz="1600" dirty="0"/>
+          </a:p>
+        </p:txBody>
+      </p:sp>
+      <p:sp>
+        <p:nvSpPr>
+          <p:cNvPr id="4" name="نجمة ذات 5 نقاط 3"/>
           <p:cNvSpPr/>
           <p:nvPr/>
         </p:nvSpPr>
         <p:spPr>
           <a:xfrm>
-            <a:off x="683568" y="476672"/>
-            <a:ext cx="648072" cy="648072"/>
+            <a:off x="8567936" y="224644"/>
+            <a:ext cx="576064" cy="504056"/>
           </a:xfrm>
           <a:prstGeom prst="star5">
             <a:avLst/>
@@ -4811,176 +5355,16 @@
           </a:p>
         </p:txBody>
       </p:sp>
-      <p:sp>
-        <p:nvSpPr>
-          <p:cNvPr id="4" name="مستطيل 3"/>
-          <p:cNvSpPr/>
-          <p:nvPr/>
-        </p:nvSpPr>
-        <p:spPr>
-          <a:xfrm>
-            <a:off x="2286000" y="1720840"/>
-            <a:ext cx="4572000" cy="2862322"/>
-          </a:xfrm>
-          <a:prstGeom prst="rect">
-            <a:avLst/>
-          </a:prstGeom>
-        </p:spPr>
-        <p:txBody>
-          <a:bodyPr>
-            <a:spAutoFit/>
-          </a:bodyPr>
-          <a:lstStyle/>
-          <a:p>
-            <a:r>
-              <a:rPr lang="en-US" dirty="0" smtClean="0"/>
-              <a:t>import socket</a:t>
-            </a:r>
-          </a:p>
-          <a:p>
-            <a:r>
-              <a:rPr lang="en-US" dirty="0" smtClean="0"/>
-              <a:t>cli </a:t>
-            </a:r>
-            <a:r>
-              <a:rPr lang="en-US" dirty="0"/>
-              <a:t>= </a:t>
-            </a:r>
-            <a:r>
-              <a:rPr lang="en-US" dirty="0" err="1"/>
-              <a:t>socket.socket</a:t>
-            </a:r>
-            <a:r>
-              <a:rPr lang="en-US" dirty="0"/>
-              <a:t>()</a:t>
-            </a:r>
-          </a:p>
-          <a:p>
-            <a:r>
-              <a:rPr lang="en-US" dirty="0"/>
-              <a:t>host = </a:t>
-            </a:r>
-            <a:r>
-              <a:rPr lang="en-US" dirty="0" err="1"/>
-              <a:t>socket.gethostname</a:t>
-            </a:r>
-            <a:r>
-              <a:rPr lang="en-US" dirty="0"/>
-              <a:t>()	        </a:t>
-            </a:r>
-          </a:p>
-          <a:p>
-            <a:r>
-              <a:rPr lang="en-US" dirty="0"/>
-              <a:t>port = </a:t>
-            </a:r>
-            <a:r>
-              <a:rPr lang="en-US" dirty="0" smtClean="0"/>
-              <a:t>6666</a:t>
-            </a:r>
-            <a:r>
-              <a:rPr lang="en-US" dirty="0"/>
-              <a:t>			               	                  </a:t>
-            </a:r>
-          </a:p>
-          <a:p>
-            <a:r>
-              <a:rPr lang="en-US" dirty="0" err="1" smtClean="0"/>
-              <a:t>cli.connect</a:t>
-            </a:r>
-            <a:r>
-              <a:rPr lang="en-US" dirty="0"/>
-              <a:t>((</a:t>
-            </a:r>
-            <a:r>
-              <a:rPr lang="en-US" dirty="0" err="1"/>
-              <a:t>host,port</a:t>
-            </a:r>
-            <a:r>
-              <a:rPr lang="en-US" dirty="0"/>
-              <a:t>))</a:t>
-            </a:r>
-          </a:p>
-          <a:p>
-            <a:r>
-              <a:rPr lang="en-US" dirty="0" smtClean="0"/>
-              <a:t>message=input</a:t>
-            </a:r>
-            <a:r>
-              <a:rPr lang="en-US" dirty="0"/>
-              <a:t>("enter message")</a:t>
-            </a:r>
-          </a:p>
-          <a:p>
-            <a:r>
-              <a:rPr lang="en-US" dirty="0" err="1" smtClean="0"/>
-              <a:t>cli.send</a:t>
-            </a:r>
-            <a:r>
-              <a:rPr lang="en-US" dirty="0" smtClean="0"/>
-              <a:t>(</a:t>
-            </a:r>
-            <a:r>
-              <a:rPr lang="en-US" dirty="0" err="1" smtClean="0"/>
-              <a:t>message.encode</a:t>
-            </a:r>
-            <a:r>
-              <a:rPr lang="en-US" dirty="0"/>
-              <a:t>())</a:t>
-            </a:r>
-          </a:p>
-          <a:p>
-            <a:r>
-              <a:rPr lang="en-US" dirty="0" smtClean="0"/>
-              <a:t>print(</a:t>
-            </a:r>
-            <a:r>
-              <a:rPr lang="en-US" dirty="0" err="1" smtClean="0"/>
-              <a:t>cli.recv</a:t>
-            </a:r>
-            <a:r>
-              <a:rPr lang="en-US" dirty="0" smtClean="0"/>
-              <a:t>(1024</a:t>
-            </a:r>
-            <a:r>
-              <a:rPr lang="en-US" dirty="0"/>
-              <a:t>).decode())	           </a:t>
-            </a:r>
-          </a:p>
-          <a:p>
-            <a:r>
-              <a:rPr lang="en-US" dirty="0"/>
-              <a:t>    </a:t>
-            </a:r>
-            <a:r>
-              <a:rPr lang="en-US" dirty="0" err="1" smtClean="0"/>
-              <a:t>cli.close</a:t>
-            </a:r>
-            <a:r>
-              <a:rPr lang="en-US" dirty="0"/>
-              <a:t>()</a:t>
-            </a:r>
-            <a:endParaRPr lang="ar-SY" dirty="0"/>
-          </a:p>
-        </p:txBody>
-      </p:sp>
     </p:spTree>
     <p:extLst>
       <p:ext uri="{BB962C8B-B14F-4D97-AF65-F5344CB8AC3E}">
-        <p14:creationId xmlns:p14="http://schemas.microsoft.com/office/powerpoint/2010/main" val="1780467795"/>
+        <p14:creationId xmlns:p14="http://schemas.microsoft.com/office/powerpoint/2010/main" val="4030629289"/>
       </p:ext>
     </p:extLst>
   </p:cSld>
   <p:clrMapOvr>
     <a:masterClrMapping/>
   </p:clrMapOvr>
-  <p:timing>
-    <p:tnLst>
-      <p:par>
-        <p:cTn id="1" dur="indefinite" restart="never" nodeType="tmRoot"/>
-      </p:par>
-    </p:tnLst>
-  </p:timing>
 </p:sld>
 </file>
 
